--- a/Проект.pptx
+++ b/Проект.pptx
@@ -115,6 +115,11 @@
       </a:defRPr>
     </a:lvl9pPr>
   </p:defaultTextStyle>
+  <p:extLst>
+    <p:ext uri="{EFAFB233-063F-42B5-8137-9DF3F51BA10A}">
+      <p15:sldGuideLst xmlns:p15="http://schemas.microsoft.com/office/powerpoint/2012/main"/>
+    </p:ext>
+  </p:extLst>
 </p:presentation>
 </file>
 
@@ -3828,13 +3833,17 @@
         </p:blipFill>
         <p:spPr bwMode="auto">
           <a:xfrm>
-            <a:off x="759652" y="870521"/>
+            <a:off x="83602" y="1237077"/>
             <a:ext cx="5715000" cy="3886200"/>
           </a:xfrm>
           <a:prstGeom prst="rect">
             <a:avLst/>
           </a:prstGeom>
-          <a:noFill/>
+          <a:ln w="19050">
+            <a:solidFill>
+              <a:schemeClr val="tx1"/>
+            </a:solidFill>
+          </a:ln>
           <a:extLst>
             <a:ext uri="{909E8E84-426E-40DD-AFC4-6F175D3DCCD1}">
               <a14:hiddenFill xmlns:a14="http://schemas.microsoft.com/office/drawing/2010/main">
@@ -3860,8 +3869,8 @@
         </p:nvSpPr>
         <p:spPr>
           <a:xfrm>
-            <a:off x="2882959" y="159859"/>
-            <a:ext cx="6590397" cy="584775"/>
+            <a:off x="2102902" y="159859"/>
+            <a:ext cx="8085507" cy="1077218"/>
           </a:xfrm>
           <a:prstGeom prst="rect">
             <a:avLst/>
@@ -3874,6 +3883,7 @@
           </a:bodyPr>
           <a:lstStyle/>
           <a:p>
+            <a:pPr algn="ctr"/>
             <a:r>
               <a:rPr lang="ru-RU" sz="3200" dirty="0">
                 <a:solidFill>
@@ -3883,6 +3893,25 @@
                 <a:cs typeface="Times New Roman" panose="02020603050405020304" pitchFamily="18" charset="0"/>
               </a:rPr>
               <a:t>Экспертная оценка недвижимости</a:t>
+            </a:r>
+            <a:br>
+              <a:rPr lang="ru-RU" sz="3200" dirty="0">
+                <a:solidFill>
+                  <a:srgbClr val="FF0000"/>
+                </a:solidFill>
+                <a:latin typeface="Times New Roman" panose="02020603050405020304" pitchFamily="18" charset="0"/>
+                <a:cs typeface="Times New Roman" panose="02020603050405020304" pitchFamily="18" charset="0"/>
+              </a:rPr>
+            </a:br>
+            <a:r>
+              <a:rPr lang="ru-RU" sz="3200" dirty="0">
+                <a:solidFill>
+                  <a:srgbClr val="FF0000"/>
+                </a:solidFill>
+                <a:latin typeface="Times New Roman" panose="02020603050405020304" pitchFamily="18" charset="0"/>
+                <a:cs typeface="Times New Roman" panose="02020603050405020304" pitchFamily="18" charset="0"/>
+              </a:rPr>
+              <a:t>Программа для учета экспертных оценок</a:t>
             </a:r>
             <a:endParaRPr lang="LID4096" sz="3200" dirty="0">
               <a:solidFill>
@@ -3929,7 +3958,11 @@
           <a:prstGeom prst="rect">
             <a:avLst/>
           </a:prstGeom>
-          <a:noFill/>
+          <a:ln w="19050">
+            <a:solidFill>
+              <a:schemeClr val="tx1"/>
+            </a:solidFill>
+          </a:ln>
           <a:extLst>
             <a:ext uri="{909E8E84-426E-40DD-AFC4-6F175D3DCCD1}">
               <a14:hiddenFill xmlns:a14="http://schemas.microsoft.com/office/drawing/2010/main">
@@ -3976,7 +4009,11 @@
           <a:prstGeom prst="rect">
             <a:avLst/>
           </a:prstGeom>
-          <a:noFill/>
+          <a:ln w="19050">
+            <a:solidFill>
+              <a:schemeClr val="tx1"/>
+            </a:solidFill>
+          </a:ln>
           <a:extLst>
             <a:ext uri="{909E8E84-426E-40DD-AFC4-6F175D3DCCD1}">
               <a14:hiddenFill xmlns:a14="http://schemas.microsoft.com/office/drawing/2010/main">
@@ -4427,7 +4464,7 @@
         </p:blipFill>
         <p:spPr bwMode="auto">
           <a:xfrm>
-            <a:off x="3963599" y="3032381"/>
+            <a:off x="6924675" y="33496"/>
             <a:ext cx="5267325" cy="3790950"/>
           </a:xfrm>
           <a:prstGeom prst="rect">
@@ -4474,7 +4511,7 @@
         </p:blipFill>
         <p:spPr bwMode="auto">
           <a:xfrm>
-            <a:off x="8116925" y="142291"/>
+            <a:off x="3981011" y="2577803"/>
             <a:ext cx="3656533" cy="3953998"/>
           </a:xfrm>
           <a:prstGeom prst="rect">
@@ -4987,8 +5024,8 @@
         </p:nvSpPr>
         <p:spPr>
           <a:xfrm>
-            <a:off x="3658863" y="2716713"/>
-            <a:ext cx="6590397" cy="584775"/>
+            <a:off x="2852804" y="2734048"/>
+            <a:ext cx="8037657" cy="1938992"/>
           </a:xfrm>
           <a:prstGeom prst="rect">
             <a:avLst/>
@@ -5002,7 +5039,7 @@
           <a:lstStyle/>
           <a:p>
             <a:r>
-              <a:rPr lang="ru-RU" sz="3200" dirty="0">
+              <a:rPr lang="ru-RU" sz="6000" dirty="0">
                 <a:solidFill>
                   <a:srgbClr val="FF0000"/>
                 </a:solidFill>
@@ -5011,7 +5048,16 @@
               </a:rPr>
               <a:t>Спасибо за внимание))</a:t>
             </a:r>
-            <a:endParaRPr lang="LID4096" sz="3200" dirty="0">
+            <a:br>
+              <a:rPr lang="ru-RU" sz="6000" dirty="0">
+                <a:solidFill>
+                  <a:srgbClr val="FF0000"/>
+                </a:solidFill>
+                <a:latin typeface="Times New Roman" panose="02020603050405020304" pitchFamily="18" charset="0"/>
+                <a:cs typeface="Times New Roman" panose="02020603050405020304" pitchFamily="18" charset="0"/>
+              </a:rPr>
+            </a:br>
+            <a:endParaRPr lang="LID4096" sz="6000" dirty="0">
               <a:solidFill>
                 <a:srgbClr val="FF0000"/>
               </a:solidFill>

--- a/Проект.pptx
+++ b/Проект.pptx
@@ -5,18 +5,17 @@
     <p:sldMasterId id="2147483648" r:id="rId1"/>
   </p:sldMasterIdLst>
   <p:notesMasterIdLst>
-    <p:notesMasterId r:id="rId11"/>
+    <p:notesMasterId r:id="rId10"/>
   </p:notesMasterIdLst>
   <p:sldIdLst>
     <p:sldId id="263" r:id="rId2"/>
     <p:sldId id="256" r:id="rId3"/>
     <p:sldId id="257" r:id="rId4"/>
-    <p:sldId id="264" r:id="rId5"/>
-    <p:sldId id="258" r:id="rId6"/>
-    <p:sldId id="260" r:id="rId7"/>
-    <p:sldId id="261" r:id="rId8"/>
-    <p:sldId id="262" r:id="rId9"/>
-    <p:sldId id="265" r:id="rId10"/>
+    <p:sldId id="258" r:id="rId5"/>
+    <p:sldId id="260" r:id="rId6"/>
+    <p:sldId id="261" r:id="rId7"/>
+    <p:sldId id="262" r:id="rId8"/>
+    <p:sldId id="265" r:id="rId9"/>
   </p:sldIdLst>
   <p:sldSz cx="12192000" cy="6858000"/>
   <p:notesSz cx="6858000" cy="9144000"/>
@@ -3870,7 +3869,7 @@
         <p:spPr>
           <a:xfrm>
             <a:off x="2102902" y="159859"/>
-            <a:ext cx="8085507" cy="1077218"/>
+            <a:ext cx="8085507" cy="1569660"/>
           </a:xfrm>
           <a:prstGeom prst="rect">
             <a:avLst/>
@@ -3892,7 +3891,50 @@
                 <a:latin typeface="Times New Roman" panose="02020603050405020304" pitchFamily="18" charset="0"/>
                 <a:cs typeface="Times New Roman" panose="02020603050405020304" pitchFamily="18" charset="0"/>
               </a:rPr>
-              <a:t>Экспертная оценка недвижимости</a:t>
+              <a:t>Программа для учета экспертных оценок</a:t>
+            </a:r>
+          </a:p>
+          <a:p>
+            <a:pPr algn="ctr"/>
+            <a:r>
+              <a:rPr lang="ru-RU" sz="3200">
+                <a:solidFill>
+                  <a:srgbClr val="FF0000"/>
+                </a:solidFill>
+                <a:latin typeface="Times New Roman" panose="02020603050405020304" pitchFamily="18" charset="0"/>
+                <a:cs typeface="Times New Roman" panose="02020603050405020304" pitchFamily="18" charset="0"/>
+              </a:rPr>
+              <a:t>дл</a:t>
+            </a:r>
+            <a:r>
+              <a:rPr lang="ru-RU" sz="3200" dirty="0">
+                <a:solidFill>
+                  <a:srgbClr val="FF0000"/>
+                </a:solidFill>
+                <a:latin typeface="Times New Roman" panose="02020603050405020304" pitchFamily="18" charset="0"/>
+                <a:cs typeface="Times New Roman" panose="02020603050405020304" pitchFamily="18" charset="0"/>
+              </a:rPr>
+              <a:t>я</a:t>
+            </a:r>
+            <a:r>
+              <a:rPr lang="ru-RU" sz="3200">
+                <a:solidFill>
+                  <a:srgbClr val="FF0000"/>
+                </a:solidFill>
+                <a:latin typeface="Times New Roman" panose="02020603050405020304" pitchFamily="18" charset="0"/>
+                <a:cs typeface="Times New Roman" panose="02020603050405020304" pitchFamily="18" charset="0"/>
+              </a:rPr>
+              <a:t> </a:t>
+            </a:r>
+            <a:r>
+              <a:rPr lang="ru-RU" sz="3200" dirty="0">
+                <a:solidFill>
+                  <a:srgbClr val="FF0000"/>
+                </a:solidFill>
+                <a:latin typeface="Times New Roman" panose="02020603050405020304" pitchFamily="18" charset="0"/>
+                <a:cs typeface="Times New Roman" panose="02020603050405020304" pitchFamily="18" charset="0"/>
+              </a:rPr>
+              <a:t>подрядной организации</a:t>
             </a:r>
             <a:br>
               <a:rPr lang="ru-RU" sz="3200" dirty="0">
@@ -3903,16 +3945,6 @@
                 <a:cs typeface="Times New Roman" panose="02020603050405020304" pitchFamily="18" charset="0"/>
               </a:rPr>
             </a:br>
-            <a:r>
-              <a:rPr lang="ru-RU" sz="3200" dirty="0">
-                <a:solidFill>
-                  <a:srgbClr val="FF0000"/>
-                </a:solidFill>
-                <a:latin typeface="Times New Roman" panose="02020603050405020304" pitchFamily="18" charset="0"/>
-                <a:cs typeface="Times New Roman" panose="02020603050405020304" pitchFamily="18" charset="0"/>
-              </a:rPr>
-              <a:t>Программа для учета экспертных оценок</a:t>
-            </a:r>
             <a:endParaRPr lang="LID4096" sz="3200" dirty="0">
               <a:solidFill>
                 <a:srgbClr val="FF0000"/>
@@ -4392,147 +4424,78 @@
       </p:grpSpPr>
       <p:pic>
         <p:nvPicPr>
-          <p:cNvPr id="2050" name="Picture 2" descr="Стрессоустойчивость к Excel | Пикабу">
-            <a:extLst>
-              <a:ext uri="{FF2B5EF4-FFF2-40B4-BE49-F238E27FC236}">
-                <a16:creationId xmlns:a16="http://schemas.microsoft.com/office/drawing/2014/main" id="{1B33611E-44CE-42B0-A0BC-1C920E8447B6}"/>
+          <p:cNvPr id="3" name="Рисунок 2">
+            <a:extLst>
+              <a:ext uri="{FF2B5EF4-FFF2-40B4-BE49-F238E27FC236}">
+                <a16:creationId xmlns:a16="http://schemas.microsoft.com/office/drawing/2014/main" id="{0A2EC08C-BA6B-40F4-A28A-1F2A91527F65}"/>
               </a:ext>
             </a:extLst>
           </p:cNvPr>
           <p:cNvPicPr>
-            <a:picLocks noChangeAspect="1" noChangeArrowheads="1"/>
+            <a:picLocks noChangeAspect="1"/>
           </p:cNvPicPr>
           <p:nvPr/>
         </p:nvPicPr>
-        <p:blipFill rotWithShape="1">
-          <a:blip r:embed="rId3">
-            <a:extLst>
-              <a:ext uri="{28A0092B-C50C-407E-A947-70E740481C1C}">
-                <a14:useLocalDpi xmlns:a14="http://schemas.microsoft.com/office/drawing/2010/main" val="0"/>
-              </a:ext>
-            </a:extLst>
-          </a:blip>
-          <a:srcRect t="27362"/>
-          <a:stretch/>
+        <p:blipFill>
+          <a:blip r:embed="rId3"/>
+          <a:stretch>
+            <a:fillRect/>
+          </a:stretch>
         </p:blipFill>
-        <p:spPr bwMode="auto">
+        <p:spPr>
           <a:xfrm>
-            <a:off x="124393" y="142291"/>
-            <a:ext cx="4569487" cy="3850408"/>
+            <a:off x="115951" y="297638"/>
+            <a:ext cx="9137833" cy="3433636"/>
           </a:xfrm>
           <a:prstGeom prst="rect">
             <a:avLst/>
           </a:prstGeom>
-          <a:noFill/>
-          <a:extLst>
-            <a:ext uri="{909E8E84-426E-40DD-AFC4-6F175D3DCCD1}">
-              <a14:hiddenFill xmlns:a14="http://schemas.microsoft.com/office/drawing/2010/main">
-                <a:solidFill>
-                  <a:srgbClr val="FFFFFF"/>
-                </a:solidFill>
-              </a14:hiddenFill>
-            </a:ext>
-          </a:extLst>
+          <a:ln w="19050">
+            <a:solidFill>
+              <a:srgbClr val="002060"/>
+            </a:solidFill>
+          </a:ln>
         </p:spPr>
       </p:pic>
       <p:pic>
         <p:nvPicPr>
-          <p:cNvPr id="2052" name="Picture 4" descr="Проблемы с Excel. Что делать, если он бесит? - Excel works!">
-            <a:extLst>
-              <a:ext uri="{FF2B5EF4-FFF2-40B4-BE49-F238E27FC236}">
-                <a16:creationId xmlns:a16="http://schemas.microsoft.com/office/drawing/2014/main" id="{10BA181E-1838-4924-AE62-F2F5005FB157}"/>
+          <p:cNvPr id="5" name="Рисунок 4">
+            <a:extLst>
+              <a:ext uri="{FF2B5EF4-FFF2-40B4-BE49-F238E27FC236}">
+                <a16:creationId xmlns:a16="http://schemas.microsoft.com/office/drawing/2014/main" id="{917C235C-C802-4C9C-9515-F93E76D405FB}"/>
               </a:ext>
             </a:extLst>
           </p:cNvPr>
           <p:cNvPicPr>
-            <a:picLocks noChangeAspect="1" noChangeArrowheads="1"/>
+            <a:picLocks noChangeAspect="1"/>
           </p:cNvPicPr>
           <p:nvPr/>
         </p:nvPicPr>
         <p:blipFill>
-          <a:blip r:embed="rId4">
-            <a:extLst>
-              <a:ext uri="{28A0092B-C50C-407E-A947-70E740481C1C}">
-                <a14:useLocalDpi xmlns:a14="http://schemas.microsoft.com/office/drawing/2010/main" val="0"/>
-              </a:ext>
-            </a:extLst>
-          </a:blip>
-          <a:srcRect/>
+          <a:blip r:embed="rId4"/>
           <a:stretch>
             <a:fillRect/>
           </a:stretch>
         </p:blipFill>
-        <p:spPr bwMode="auto">
+        <p:spPr>
           <a:xfrm>
-            <a:off x="6924675" y="33496"/>
-            <a:ext cx="5267325" cy="3790950"/>
+            <a:off x="3076618" y="3324560"/>
+            <a:ext cx="8999431" cy="3045905"/>
           </a:xfrm>
           <a:prstGeom prst="rect">
             <a:avLst/>
           </a:prstGeom>
-          <a:noFill/>
-          <a:extLst>
-            <a:ext uri="{909E8E84-426E-40DD-AFC4-6F175D3DCCD1}">
-              <a14:hiddenFill xmlns:a14="http://schemas.microsoft.com/office/drawing/2010/main">
-                <a:solidFill>
-                  <a:srgbClr val="FFFFFF"/>
-                </a:solidFill>
-              </a14:hiddenFill>
-            </a:ext>
-          </a:extLst>
-        </p:spPr>
-      </p:pic>
-      <p:pic>
-        <p:nvPicPr>
-          <p:cNvPr id="2058" name="Picture 10" descr="Microsoft excel и Мемы: истории из жизни, советы, новости и юмор — Все  посты | Пикабу">
-            <a:extLst>
-              <a:ext uri="{FF2B5EF4-FFF2-40B4-BE49-F238E27FC236}">
-                <a16:creationId xmlns:a16="http://schemas.microsoft.com/office/drawing/2014/main" id="{F1587EFF-9B25-4EC3-A9FD-43B7D4CC7CD1}"/>
-              </a:ext>
-            </a:extLst>
-          </p:cNvPr>
-          <p:cNvPicPr>
-            <a:picLocks noChangeAspect="1" noChangeArrowheads="1"/>
-          </p:cNvPicPr>
-          <p:nvPr/>
-        </p:nvPicPr>
-        <p:blipFill>
-          <a:blip r:embed="rId5">
-            <a:extLst>
-              <a:ext uri="{28A0092B-C50C-407E-A947-70E740481C1C}">
-                <a14:useLocalDpi xmlns:a14="http://schemas.microsoft.com/office/drawing/2010/main" val="0"/>
-              </a:ext>
-            </a:extLst>
-          </a:blip>
-          <a:srcRect/>
-          <a:stretch>
-            <a:fillRect/>
-          </a:stretch>
-        </p:blipFill>
-        <p:spPr bwMode="auto">
-          <a:xfrm>
-            <a:off x="3981011" y="2577803"/>
-            <a:ext cx="3656533" cy="3953998"/>
-          </a:xfrm>
-          <a:prstGeom prst="rect">
-            <a:avLst/>
-          </a:prstGeom>
-          <a:noFill/>
-          <a:extLst>
-            <a:ext uri="{909E8E84-426E-40DD-AFC4-6F175D3DCCD1}">
-              <a14:hiddenFill xmlns:a14="http://schemas.microsoft.com/office/drawing/2010/main">
-                <a:solidFill>
-                  <a:srgbClr val="FFFFFF"/>
-                </a:solidFill>
-              </a14:hiddenFill>
-            </a:ext>
-          </a:extLst>
+          <a:ln w="19050">
+            <a:solidFill>
+              <a:srgbClr val="002060"/>
+            </a:solidFill>
+          </a:ln>
         </p:spPr>
       </p:pic>
     </p:spTree>
     <p:extLst>
       <p:ext uri="{BB962C8B-B14F-4D97-AF65-F5344CB8AC3E}">
-        <p14:creationId xmlns:p14="http://schemas.microsoft.com/office/powerpoint/2010/main" val="3744263789"/>
+        <p14:creationId xmlns:p14="http://schemas.microsoft.com/office/powerpoint/2010/main" val="1779897958"/>
       </p:ext>
     </p:extLst>
   </p:cSld>
@@ -4573,10 +4536,10 @@
       </p:grpSpPr>
       <p:pic>
         <p:nvPicPr>
-          <p:cNvPr id="3" name="Рисунок 2">
-            <a:extLst>
-              <a:ext uri="{FF2B5EF4-FFF2-40B4-BE49-F238E27FC236}">
-                <a16:creationId xmlns:a16="http://schemas.microsoft.com/office/drawing/2014/main" id="{0A2EC08C-BA6B-40F4-A28A-1F2A91527F65}"/>
+          <p:cNvPr id="5" name="Рисунок 4">
+            <a:extLst>
+              <a:ext uri="{FF2B5EF4-FFF2-40B4-BE49-F238E27FC236}">
+                <a16:creationId xmlns:a16="http://schemas.microsoft.com/office/drawing/2014/main" id="{4A2EB2C0-DB65-420B-BA7F-93781B3D1AF0}"/>
               </a:ext>
             </a:extLst>
           </p:cNvPr>
@@ -4593,58 +4556,18 @@
         </p:blipFill>
         <p:spPr>
           <a:xfrm>
-            <a:off x="115951" y="297638"/>
-            <a:ext cx="9137833" cy="3433636"/>
+            <a:off x="66468" y="0"/>
+            <a:ext cx="12059064" cy="6858000"/>
           </a:xfrm>
           <a:prstGeom prst="rect">
             <a:avLst/>
           </a:prstGeom>
-          <a:ln w="19050">
-            <a:solidFill>
-              <a:srgbClr val="002060"/>
-            </a:solidFill>
-          </a:ln>
-        </p:spPr>
-      </p:pic>
-      <p:pic>
-        <p:nvPicPr>
-          <p:cNvPr id="5" name="Рисунок 4">
-            <a:extLst>
-              <a:ext uri="{FF2B5EF4-FFF2-40B4-BE49-F238E27FC236}">
-                <a16:creationId xmlns:a16="http://schemas.microsoft.com/office/drawing/2014/main" id="{917C235C-C802-4C9C-9515-F93E76D405FB}"/>
-              </a:ext>
-            </a:extLst>
-          </p:cNvPr>
-          <p:cNvPicPr>
-            <a:picLocks noChangeAspect="1"/>
-          </p:cNvPicPr>
-          <p:nvPr/>
-        </p:nvPicPr>
-        <p:blipFill>
-          <a:blip r:embed="rId4"/>
-          <a:stretch>
-            <a:fillRect/>
-          </a:stretch>
-        </p:blipFill>
-        <p:spPr>
-          <a:xfrm>
-            <a:off x="3076618" y="3324560"/>
-            <a:ext cx="8999431" cy="3045905"/>
-          </a:xfrm>
-          <a:prstGeom prst="rect">
-            <a:avLst/>
-          </a:prstGeom>
-          <a:ln w="19050">
-            <a:solidFill>
-              <a:srgbClr val="002060"/>
-            </a:solidFill>
-          </a:ln>
         </p:spPr>
       </p:pic>
     </p:spTree>
     <p:extLst>
       <p:ext uri="{BB962C8B-B14F-4D97-AF65-F5344CB8AC3E}">
-        <p14:creationId xmlns:p14="http://schemas.microsoft.com/office/powerpoint/2010/main" val="1779897958"/>
+        <p14:creationId xmlns:p14="http://schemas.microsoft.com/office/powerpoint/2010/main" val="4037148736"/>
       </p:ext>
     </p:extLst>
   </p:cSld>
@@ -4685,10 +4608,10 @@
       </p:grpSpPr>
       <p:pic>
         <p:nvPicPr>
-          <p:cNvPr id="5" name="Рисунок 4">
-            <a:extLst>
-              <a:ext uri="{FF2B5EF4-FFF2-40B4-BE49-F238E27FC236}">
-                <a16:creationId xmlns:a16="http://schemas.microsoft.com/office/drawing/2014/main" id="{4A2EB2C0-DB65-420B-BA7F-93781B3D1AF0}"/>
+          <p:cNvPr id="3" name="Рисунок 2">
+            <a:extLst>
+              <a:ext uri="{FF2B5EF4-FFF2-40B4-BE49-F238E27FC236}">
+                <a16:creationId xmlns:a16="http://schemas.microsoft.com/office/drawing/2014/main" id="{7CA9AE79-D643-44B1-A071-13B117A037A9}"/>
               </a:ext>
             </a:extLst>
           </p:cNvPr>
@@ -4705,8 +4628,38 @@
         </p:blipFill>
         <p:spPr>
           <a:xfrm>
-            <a:off x="66468" y="0"/>
-            <a:ext cx="12059064" cy="6858000"/>
+            <a:off x="76841" y="34669"/>
+            <a:ext cx="6381575" cy="5976103"/>
+          </a:xfrm>
+          <a:prstGeom prst="rect">
+            <a:avLst/>
+          </a:prstGeom>
+        </p:spPr>
+      </p:pic>
+      <p:pic>
+        <p:nvPicPr>
+          <p:cNvPr id="5" name="Рисунок 4">
+            <a:extLst>
+              <a:ext uri="{FF2B5EF4-FFF2-40B4-BE49-F238E27FC236}">
+                <a16:creationId xmlns:a16="http://schemas.microsoft.com/office/drawing/2014/main" id="{363DA0A8-58DB-40A7-8767-88ECA131C742}"/>
+              </a:ext>
+            </a:extLst>
+          </p:cNvPr>
+          <p:cNvPicPr>
+            <a:picLocks noChangeAspect="1"/>
+          </p:cNvPicPr>
+          <p:nvPr/>
+        </p:nvPicPr>
+        <p:blipFill>
+          <a:blip r:embed="rId4"/>
+          <a:stretch>
+            <a:fillRect/>
+          </a:stretch>
+        </p:blipFill>
+        <p:spPr>
+          <a:xfrm>
+            <a:off x="5074251" y="3762622"/>
+            <a:ext cx="7040908" cy="3023873"/>
           </a:xfrm>
           <a:prstGeom prst="rect">
             <a:avLst/>
@@ -4716,7 +4669,7 @@
     </p:spTree>
     <p:extLst>
       <p:ext uri="{BB962C8B-B14F-4D97-AF65-F5344CB8AC3E}">
-        <p14:creationId xmlns:p14="http://schemas.microsoft.com/office/powerpoint/2010/main" val="4037148736"/>
+        <p14:creationId xmlns:p14="http://schemas.microsoft.com/office/powerpoint/2010/main" val="3807326837"/>
       </p:ext>
     </p:extLst>
   </p:cSld>
@@ -4760,108 +4713,6 @@
           <p:cNvPr id="3" name="Рисунок 2">
             <a:extLst>
               <a:ext uri="{FF2B5EF4-FFF2-40B4-BE49-F238E27FC236}">
-                <a16:creationId xmlns:a16="http://schemas.microsoft.com/office/drawing/2014/main" id="{7CA9AE79-D643-44B1-A071-13B117A037A9}"/>
-              </a:ext>
-            </a:extLst>
-          </p:cNvPr>
-          <p:cNvPicPr>
-            <a:picLocks noChangeAspect="1"/>
-          </p:cNvPicPr>
-          <p:nvPr/>
-        </p:nvPicPr>
-        <p:blipFill>
-          <a:blip r:embed="rId3"/>
-          <a:stretch>
-            <a:fillRect/>
-          </a:stretch>
-        </p:blipFill>
-        <p:spPr>
-          <a:xfrm>
-            <a:off x="76841" y="34669"/>
-            <a:ext cx="6381575" cy="5976103"/>
-          </a:xfrm>
-          <a:prstGeom prst="rect">
-            <a:avLst/>
-          </a:prstGeom>
-        </p:spPr>
-      </p:pic>
-      <p:pic>
-        <p:nvPicPr>
-          <p:cNvPr id="5" name="Рисунок 4">
-            <a:extLst>
-              <a:ext uri="{FF2B5EF4-FFF2-40B4-BE49-F238E27FC236}">
-                <a16:creationId xmlns:a16="http://schemas.microsoft.com/office/drawing/2014/main" id="{363DA0A8-58DB-40A7-8767-88ECA131C742}"/>
-              </a:ext>
-            </a:extLst>
-          </p:cNvPr>
-          <p:cNvPicPr>
-            <a:picLocks noChangeAspect="1"/>
-          </p:cNvPicPr>
-          <p:nvPr/>
-        </p:nvPicPr>
-        <p:blipFill>
-          <a:blip r:embed="rId4"/>
-          <a:stretch>
-            <a:fillRect/>
-          </a:stretch>
-        </p:blipFill>
-        <p:spPr>
-          <a:xfrm>
-            <a:off x="5074251" y="3762622"/>
-            <a:ext cx="7040908" cy="3023873"/>
-          </a:xfrm>
-          <a:prstGeom prst="rect">
-            <a:avLst/>
-          </a:prstGeom>
-        </p:spPr>
-      </p:pic>
-    </p:spTree>
-    <p:extLst>
-      <p:ext uri="{BB962C8B-B14F-4D97-AF65-F5344CB8AC3E}">
-        <p14:creationId xmlns:p14="http://schemas.microsoft.com/office/powerpoint/2010/main" val="3807326837"/>
-      </p:ext>
-    </p:extLst>
-  </p:cSld>
-  <p:clrMapOvr>
-    <a:overrideClrMapping bg1="lt1" tx1="dk1" bg2="lt2" tx2="dk2" accent1="accent1" accent2="accent2" accent3="accent3" accent4="accent4" accent5="accent5" accent6="accent6" hlink="hlink" folHlink="folHlink"/>
-  </p:clrMapOvr>
-</p:sld>
-</file>
-
-<file path=ppt/slides/slide8.xml><?xml version="1.0" encoding="utf-8"?>
-<p:sld xmlns:a="http://schemas.openxmlformats.org/drawingml/2006/main" xmlns:r="http://schemas.openxmlformats.org/officeDocument/2006/relationships" xmlns:p="http://schemas.openxmlformats.org/presentationml/2006/main">
-  <p:cSld>
-    <p:bg>
-      <p:bgPr>
-        <a:solidFill>
-          <a:schemeClr val="accent1">
-            <a:lumMod val="40000"/>
-            <a:lumOff val="60000"/>
-            <a:alpha val="59000"/>
-          </a:schemeClr>
-        </a:solidFill>
-        <a:effectLst/>
-      </p:bgPr>
-    </p:bg>
-    <p:spTree>
-      <p:nvGrpSpPr>
-        <p:cNvPr id="1" name=""/>
-        <p:cNvGrpSpPr/>
-        <p:nvPr/>
-      </p:nvGrpSpPr>
-      <p:grpSpPr>
-        <a:xfrm>
-          <a:off x="0" y="0"/>
-          <a:ext cx="0" cy="0"/>
-          <a:chOff x="0" y="0"/>
-          <a:chExt cx="0" cy="0"/>
-        </a:xfrm>
-      </p:grpSpPr>
-      <p:pic>
-        <p:nvPicPr>
-          <p:cNvPr id="3" name="Рисунок 2">
-            <a:extLst>
-              <a:ext uri="{FF2B5EF4-FFF2-40B4-BE49-F238E27FC236}">
                 <a16:creationId xmlns:a16="http://schemas.microsoft.com/office/drawing/2014/main" id="{789A4534-152B-4CB1-8C94-017FF94E8298}"/>
               </a:ext>
             </a:extLst>
@@ -4981,7 +4832,7 @@
 </p:sld>
 </file>
 
-<file path=ppt/slides/slide9.xml><?xml version="1.0" encoding="utf-8"?>
+<file path=ppt/slides/slide8.xml><?xml version="1.0" encoding="utf-8"?>
 <p:sld xmlns:a="http://schemas.openxmlformats.org/drawingml/2006/main" xmlns:r="http://schemas.openxmlformats.org/officeDocument/2006/relationships" xmlns:p="http://schemas.openxmlformats.org/presentationml/2006/main">
   <p:cSld>
     <p:bg>
@@ -5969,47 +5820,4 @@
     </a:folHlink>
   </a:clrScheme>
 </a:themeOverride>
-</file>
-
-<file path=ppt/theme/themeOverride8.xml><?xml version="1.0" encoding="utf-8"?>
-<a:themeOverride xmlns:a="http://schemas.openxmlformats.org/drawingml/2006/main">
-  <a:clrScheme name="Стандартная">
-    <a:dk1>
-      <a:sysClr val="windowText" lastClr="000000"/>
-    </a:dk1>
-    <a:lt1>
-      <a:sysClr val="window" lastClr="FFFFFF"/>
-    </a:lt1>
-    <a:dk2>
-      <a:srgbClr val="44546A"/>
-    </a:dk2>
-    <a:lt2>
-      <a:srgbClr val="E7E6E6"/>
-    </a:lt2>
-    <a:accent1>
-      <a:srgbClr val="4472C4"/>
-    </a:accent1>
-    <a:accent2>
-      <a:srgbClr val="ED7D31"/>
-    </a:accent2>
-    <a:accent3>
-      <a:srgbClr val="A5A5A5"/>
-    </a:accent3>
-    <a:accent4>
-      <a:srgbClr val="FFC000"/>
-    </a:accent4>
-    <a:accent5>
-      <a:srgbClr val="5B9BD5"/>
-    </a:accent5>
-    <a:accent6>
-      <a:srgbClr val="70AD47"/>
-    </a:accent6>
-    <a:hlink>
-      <a:srgbClr val="0563C1"/>
-    </a:hlink>
-    <a:folHlink>
-      <a:srgbClr val="954F72"/>
-    </a:folHlink>
-  </a:clrScheme>
-</a:themeOverride>
 </file>